--- a/TestData/test-unprotected.pptx
+++ b/TestData/test-unprotected.pptx
@@ -5,12 +5,14 @@
     <p:sldMasterId id="2147483648" r:id="rId1"/>
   </p:sldMasterIdLst>
   <p:notesMasterIdLst>
-    <p:notesMasterId r:id="rId5"/>
+    <p:notesMasterId r:id="rId7"/>
   </p:notesMasterIdLst>
   <p:sldIdLst>
     <p:sldId id="256" r:id="rId2"/>
     <p:sldId id="257" r:id="rId3"/>
     <p:sldId id="258" r:id="rId4"/>
+    <p:sldId id="259" r:id="rId5"/>
+    <p:sldId id="260" r:id="rId6"/>
   </p:sldIdLst>
   <p:sldSz cx="12192000" cy="6858000"/>
   <p:notesSz cx="6858000" cy="9144000"/>
@@ -110,6 +112,27 @@
     </a:lvl9pPr>
   </p:defaultTextStyle>
   <p:extLst>
+    <p:ext uri="{521415D9-36F7-43E2-AB2F-B90AF26B5E84}">
+      <p14:sectionLst xmlns:p14="http://schemas.microsoft.com/office/powerpoint/2010/main">
+        <p14:section name="Section 1" id="{F384FD42-7E40-4D80-8321-78C085F5E9C1}">
+          <p14:sldIdLst>
+            <p14:sldId id="256"/>
+            <p14:sldId id="257"/>
+          </p14:sldIdLst>
+        </p14:section>
+        <p14:section name="Section 2" id="{9D20C192-7259-4CD9-9C25-508930C364F2}">
+          <p14:sldIdLst>
+            <p14:sldId id="258"/>
+          </p14:sldIdLst>
+        </p14:section>
+        <p14:section name="Section 3" id="{B9191D2C-F289-4212-8443-8DFB9A231C13}">
+          <p14:sldIdLst>
+            <p14:sldId id="259"/>
+            <p14:sldId id="260"/>
+          </p14:sldIdLst>
+        </p14:section>
+      </p14:sectionLst>
+    </p:ext>
     <p:ext uri="{EFAFB233-063F-42B5-8137-9DF3F51BA10A}">
       <p15:sldGuideLst xmlns:p15="http://schemas.microsoft.com/office/powerpoint/2012/main"/>
     </p:ext>
@@ -2064,7 +2087,7 @@
           <a:p>
             <a:fld id="{F3A1B328-42AC-42A9-9AD9-7CAB65F20855}" type="datetimeFigureOut">
               <a:rPr lang="en-US" smtClean="0"/>
-              <a:t>2020-12-22</a:t>
+              <a:t>2021-10-09</a:t>
             </a:fld>
             <a:endParaRPr lang="en-US"/>
           </a:p>
@@ -2466,7 +2489,7 @@
           </a:lstStyle>
           <a:p>
             <a:r>
-              <a:rPr lang="en-US"/>
+              <a:rPr lang="en-US" dirty="0"/>
               <a:t>Click to edit Master title style</a:t>
             </a:r>
           </a:p>
@@ -2536,7 +2559,7 @@
           </a:lstStyle>
           <a:p>
             <a:r>
-              <a:rPr lang="en-US"/>
+              <a:rPr lang="en-US" dirty="0"/>
               <a:t>Click to edit Master subtitle style</a:t>
             </a:r>
           </a:p>
@@ -2565,9 +2588,9 @@
           <a:p>
             <a:fld id="{50BDCC2C-44C1-4523-A9CE-3059CB48FF2C}" type="datetimeFigureOut">
               <a:rPr lang="en-US" smtClean="0"/>
-              <a:t>2020-12-22</a:t>
+              <a:t>2021-10-09</a:t>
             </a:fld>
-            <a:endParaRPr lang="en-US"/>
+            <a:endParaRPr lang="en-US" dirty="0"/>
           </a:p>
         </p:txBody>
       </p:sp>
@@ -2592,7 +2615,7 @@
           <a:bodyPr/>
           <a:lstStyle/>
           <a:p>
-            <a:endParaRPr lang="en-US"/>
+            <a:endParaRPr lang="en-US" dirty="0"/>
           </a:p>
         </p:txBody>
       </p:sp>
@@ -2621,10 +2644,123 @@
               <a:rPr lang="en-US" smtClean="0"/>
               <a:t>‹#›</a:t>
             </a:fld>
-            <a:endParaRPr lang="en-US"/>
+            <a:endParaRPr lang="en-US" dirty="0"/>
           </a:p>
         </p:txBody>
       </p:sp>
+      <p:grpSp>
+        <p:nvGrpSpPr>
+          <p:cNvPr id="7" name="Group 6">
+            <a:extLst>
+              <a:ext uri="{FF2B5EF4-FFF2-40B4-BE49-F238E27FC236}">
+                <a16:creationId xmlns:a16="http://schemas.microsoft.com/office/drawing/2014/main" id="{4FD30592-B36B-4649-B680-5366148D099C}"/>
+              </a:ext>
+            </a:extLst>
+          </p:cNvPr>
+          <p:cNvGrpSpPr/>
+          <p:nvPr userDrawn="1"/>
+        </p:nvGrpSpPr>
+        <p:grpSpPr>
+          <a:xfrm>
+            <a:off x="7107381" y="4984750"/>
+            <a:ext cx="1296786" cy="365125"/>
+            <a:chOff x="1088967" y="5536276"/>
+            <a:chExt cx="1296786" cy="365125"/>
+          </a:xfrm>
+        </p:grpSpPr>
+        <p:sp>
+          <p:nvSpPr>
+            <p:cNvPr id="8" name="Rectangle 7">
+              <a:extLst>
+                <a:ext uri="{FF2B5EF4-FFF2-40B4-BE49-F238E27FC236}">
+                  <a16:creationId xmlns:a16="http://schemas.microsoft.com/office/drawing/2014/main" id="{8EF2D226-B7D1-4B6F-94D6-BCF7C628D0AF}"/>
+                </a:ext>
+              </a:extLst>
+            </p:cNvPr>
+            <p:cNvSpPr/>
+            <p:nvPr userDrawn="1"/>
+          </p:nvSpPr>
+          <p:spPr>
+            <a:xfrm>
+              <a:off x="1088967" y="5536276"/>
+              <a:ext cx="507077" cy="199361"/>
+            </a:xfrm>
+            <a:prstGeom prst="rect">
+              <a:avLst/>
+            </a:prstGeom>
+          </p:spPr>
+          <p:style>
+            <a:lnRef idx="2">
+              <a:schemeClr val="accent2">
+                <a:shade val="50000"/>
+              </a:schemeClr>
+            </a:lnRef>
+            <a:fillRef idx="1">
+              <a:schemeClr val="accent2"/>
+            </a:fillRef>
+            <a:effectRef idx="0">
+              <a:schemeClr val="accent2"/>
+            </a:effectRef>
+            <a:fontRef idx="minor">
+              <a:schemeClr val="lt1"/>
+            </a:fontRef>
+          </p:style>
+          <p:txBody>
+            <a:bodyPr rtlCol="0" anchor="ctr"/>
+            <a:lstStyle/>
+            <a:p>
+              <a:pPr algn="ctr"/>
+              <a:endParaRPr lang="en-US"/>
+            </a:p>
+          </p:txBody>
+        </p:sp>
+        <p:sp>
+          <p:nvSpPr>
+            <p:cNvPr id="9" name="Oval 8">
+              <a:extLst>
+                <a:ext uri="{FF2B5EF4-FFF2-40B4-BE49-F238E27FC236}">
+                  <a16:creationId xmlns:a16="http://schemas.microsoft.com/office/drawing/2014/main" id="{EC118A44-7B17-4C5B-9BBB-C635A015312F}"/>
+                </a:ext>
+              </a:extLst>
+            </p:cNvPr>
+            <p:cNvSpPr/>
+            <p:nvPr userDrawn="1"/>
+          </p:nvSpPr>
+          <p:spPr>
+            <a:xfrm>
+              <a:off x="1878676" y="5536276"/>
+              <a:ext cx="507077" cy="365125"/>
+            </a:xfrm>
+            <a:prstGeom prst="ellipse">
+              <a:avLst/>
+            </a:prstGeom>
+          </p:spPr>
+          <p:style>
+            <a:lnRef idx="2">
+              <a:schemeClr val="accent1">
+                <a:shade val="50000"/>
+              </a:schemeClr>
+            </a:lnRef>
+            <a:fillRef idx="1">
+              <a:schemeClr val="accent1"/>
+            </a:fillRef>
+            <a:effectRef idx="0">
+              <a:schemeClr val="accent1"/>
+            </a:effectRef>
+            <a:fontRef idx="minor">
+              <a:schemeClr val="lt1"/>
+            </a:fontRef>
+          </p:style>
+          <p:txBody>
+            <a:bodyPr rtlCol="0" anchor="ctr"/>
+            <a:lstStyle/>
+            <a:p>
+              <a:pPr algn="ctr"/>
+              <a:endParaRPr lang="en-US"/>
+            </a:p>
+          </p:txBody>
+        </p:sp>
+      </p:grpSp>
     </p:spTree>
     <p:extLst>
       <p:ext uri="{BB962C8B-B14F-4D97-AF65-F5344CB8AC3E}">
@@ -2635,6 +2771,193 @@
   <p:clrMapOvr>
     <a:masterClrMapping/>
   </p:clrMapOvr>
+  <p:timing>
+    <p:tnLst>
+      <p:par>
+        <p:cTn id="1" dur="indefinite" restart="never" nodeType="tmRoot">
+          <p:childTnLst>
+            <p:seq concurrent="1" nextAc="seek">
+              <p:cTn id="2" dur="indefinite" nodeType="mainSeq">
+                <p:childTnLst>
+                  <p:par>
+                    <p:cTn id="3" fill="hold">
+                      <p:stCondLst>
+                        <p:cond delay="indefinite"/>
+                      </p:stCondLst>
+                      <p:childTnLst>
+                        <p:par>
+                          <p:cTn id="4" fill="hold">
+                            <p:stCondLst>
+                              <p:cond delay="0"/>
+                            </p:stCondLst>
+                            <p:childTnLst>
+                              <p:par>
+                                <p:cTn id="5" presetID="26" presetClass="emph" presetSubtype="0" fill="hold" nodeType="clickEffect">
+                                  <p:stCondLst>
+                                    <p:cond delay="0"/>
+                                  </p:stCondLst>
+                                  <p:childTnLst>
+                                    <p:animEffect transition="out" filter="fade">
+                                      <p:cBhvr>
+                                        <p:cTn id="6" dur="500" tmFilter="0, 0; .2, .5; .8, .5; 1, 0"/>
+                                        <p:tgtEl>
+                                          <p:spTgt spid="7"/>
+                                        </p:tgtEl>
+                                      </p:cBhvr>
+                                    </p:animEffect>
+                                    <p:animScale>
+                                      <p:cBhvr>
+                                        <p:cTn id="7" dur="250" autoRev="1" fill="hold"/>
+                                        <p:tgtEl>
+                                          <p:spTgt spid="7"/>
+                                        </p:tgtEl>
+                                      </p:cBhvr>
+                                      <p:by x="105000" y="105000"/>
+                                    </p:animScale>
+                                  </p:childTnLst>
+                                </p:cTn>
+                              </p:par>
+                            </p:childTnLst>
+                          </p:cTn>
+                        </p:par>
+                      </p:childTnLst>
+                    </p:cTn>
+                  </p:par>
+                </p:childTnLst>
+              </p:cTn>
+              <p:prevCondLst>
+                <p:cond evt="onPrev" delay="0">
+                  <p:tgtEl>
+                    <p:sldTgt/>
+                  </p:tgtEl>
+                </p:cond>
+              </p:prevCondLst>
+              <p:nextCondLst>
+                <p:cond evt="onNext" delay="0">
+                  <p:tgtEl>
+                    <p:sldTgt/>
+                  </p:tgtEl>
+                </p:cond>
+              </p:nextCondLst>
+            </p:seq>
+            <p:seq concurrent="1" nextAc="seek">
+              <p:cTn id="8" restart="whenNotActive" fill="hold" evtFilter="cancelBubble" nodeType="interactiveSeq">
+                <p:stCondLst>
+                  <p:cond evt="onClick" delay="0">
+                    <p:tgtEl>
+                      <p:spTgt spid="7"/>
+                    </p:tgtEl>
+                  </p:cond>
+                </p:stCondLst>
+                <p:endSync evt="end" delay="0">
+                  <p:rtn val="all"/>
+                </p:endSync>
+                <p:childTnLst>
+                  <p:par>
+                    <p:cTn id="9" fill="hold">
+                      <p:stCondLst>
+                        <p:cond delay="0"/>
+                      </p:stCondLst>
+                      <p:childTnLst>
+                        <p:par>
+                          <p:cTn id="10" fill="hold">
+                            <p:stCondLst>
+                              <p:cond delay="0"/>
+                            </p:stCondLst>
+                            <p:childTnLst>
+                              <p:par>
+                                <p:cTn id="11" presetID="1" presetClass="entr" presetSubtype="0" fill="hold" nodeType="clickEffect">
+                                  <p:stCondLst>
+                                    <p:cond delay="0"/>
+                                  </p:stCondLst>
+                                  <p:childTnLst>
+                                    <p:set>
+                                      <p:cBhvr>
+                                        <p:cTn id="12" dur="1" fill="hold">
+                                          <p:stCondLst>
+                                            <p:cond delay="0"/>
+                                          </p:stCondLst>
+                                        </p:cTn>
+                                        <p:tgtEl>
+                                          <p:spTgt spid="7"/>
+                                        </p:tgtEl>
+                                        <p:attrNameLst>
+                                          <p:attrName>style.visibility</p:attrName>
+                                        </p:attrNameLst>
+                                      </p:cBhvr>
+                                      <p:to>
+                                        <p:strVal val="visible"/>
+                                      </p:to>
+                                    </p:set>
+                                  </p:childTnLst>
+                                </p:cTn>
+                              </p:par>
+                            </p:childTnLst>
+                          </p:cTn>
+                        </p:par>
+                      </p:childTnLst>
+                    </p:cTn>
+                  </p:par>
+                  <p:par>
+                    <p:cTn id="13" fill="hold">
+                      <p:stCondLst>
+                        <p:cond delay="indefinite"/>
+                      </p:stCondLst>
+                      <p:childTnLst>
+                        <p:par>
+                          <p:cTn id="14" fill="hold">
+                            <p:stCondLst>
+                              <p:cond delay="0"/>
+                            </p:stCondLst>
+                            <p:childTnLst>
+                              <p:par>
+                                <p:cTn id="15" presetID="1" presetClass="entr" presetSubtype="0" fill="hold" nodeType="clickEffect">
+                                  <p:stCondLst>
+                                    <p:cond delay="0"/>
+                                  </p:stCondLst>
+                                  <p:childTnLst>
+                                    <p:set>
+                                      <p:cBhvr>
+                                        <p:cTn id="16" dur="1" fill="hold">
+                                          <p:stCondLst>
+                                            <p:cond delay="0"/>
+                                          </p:stCondLst>
+                                        </p:cTn>
+                                        <p:tgtEl>
+                                          <p:spTgt spid="7"/>
+                                        </p:tgtEl>
+                                        <p:attrNameLst>
+                                          <p:attrName>style.visibility</p:attrName>
+                                        </p:attrNameLst>
+                                      </p:cBhvr>
+                                      <p:to>
+                                        <p:strVal val="visible"/>
+                                      </p:to>
+                                    </p:set>
+                                  </p:childTnLst>
+                                </p:cTn>
+                              </p:par>
+                            </p:childTnLst>
+                          </p:cTn>
+                        </p:par>
+                      </p:childTnLst>
+                    </p:cTn>
+                  </p:par>
+                </p:childTnLst>
+              </p:cTn>
+              <p:nextCondLst>
+                <p:cond evt="onClick" delay="0">
+                  <p:tgtEl>
+                    <p:spTgt spid="7"/>
+                  </p:tgtEl>
+                </p:cond>
+              </p:nextCondLst>
+            </p:seq>
+          </p:childTnLst>
+        </p:cTn>
+      </p:par>
+    </p:tnLst>
+  </p:timing>
 </p:sldLayout>
 </file>
 
@@ -2763,7 +3086,7 @@
           <a:p>
             <a:fld id="{50BDCC2C-44C1-4523-A9CE-3059CB48FF2C}" type="datetimeFigureOut">
               <a:rPr lang="en-US" smtClean="0"/>
-              <a:t>2020-12-22</a:t>
+              <a:t>2021-10-09</a:t>
             </a:fld>
             <a:endParaRPr lang="en-US"/>
           </a:p>
@@ -2971,7 +3294,7 @@
           <a:p>
             <a:fld id="{50BDCC2C-44C1-4523-A9CE-3059CB48FF2C}" type="datetimeFigureOut">
               <a:rPr lang="en-US" smtClean="0"/>
-              <a:t>2020-12-22</a:t>
+              <a:t>2021-10-09</a:t>
             </a:fld>
             <a:endParaRPr lang="en-US"/>
           </a:p>
@@ -3112,35 +3435,35 @@
           <a:p>
             <a:pPr lvl="0"/>
             <a:r>
-              <a:rPr lang="en-US"/>
+              <a:rPr lang="en-US" dirty="0"/>
               <a:t>Click to edit Master text styles</a:t>
             </a:r>
           </a:p>
           <a:p>
             <a:pPr lvl="1"/>
             <a:r>
-              <a:rPr lang="en-US"/>
+              <a:rPr lang="en-US" dirty="0"/>
               <a:t>Second level</a:t>
             </a:r>
           </a:p>
           <a:p>
             <a:pPr lvl="2"/>
             <a:r>
-              <a:rPr lang="en-US"/>
+              <a:rPr lang="en-US" dirty="0"/>
               <a:t>Third level</a:t>
             </a:r>
           </a:p>
           <a:p>
             <a:pPr lvl="3"/>
             <a:r>
-              <a:rPr lang="en-US"/>
+              <a:rPr lang="en-US" dirty="0"/>
               <a:t>Fourth level</a:t>
             </a:r>
           </a:p>
           <a:p>
             <a:pPr lvl="4"/>
             <a:r>
-              <a:rPr lang="en-US"/>
+              <a:rPr lang="en-US" dirty="0"/>
               <a:t>Fifth level</a:t>
             </a:r>
           </a:p>
@@ -3169,9 +3492,9 @@
           <a:p>
             <a:fld id="{50BDCC2C-44C1-4523-A9CE-3059CB48FF2C}" type="datetimeFigureOut">
               <a:rPr lang="en-US" smtClean="0"/>
-              <a:t>2020-12-22</a:t>
+              <a:t>2021-10-09</a:t>
             </a:fld>
-            <a:endParaRPr lang="en-US"/>
+            <a:endParaRPr lang="en-US" dirty="0"/>
           </a:p>
         </p:txBody>
       </p:sp>
@@ -3196,7 +3519,7 @@
           <a:bodyPr/>
           <a:lstStyle/>
           <a:p>
-            <a:endParaRPr lang="en-US"/>
+            <a:endParaRPr lang="en-US" dirty="0"/>
           </a:p>
         </p:txBody>
       </p:sp>
@@ -3444,7 +3767,7 @@
           <a:p>
             <a:fld id="{50BDCC2C-44C1-4523-A9CE-3059CB48FF2C}" type="datetimeFigureOut">
               <a:rPr lang="en-US" smtClean="0"/>
-              <a:t>2020-12-22</a:t>
+              <a:t>2021-10-09</a:t>
             </a:fld>
             <a:endParaRPr lang="en-US"/>
           </a:p>
@@ -3709,7 +4032,7 @@
           <a:p>
             <a:fld id="{50BDCC2C-44C1-4523-A9CE-3059CB48FF2C}" type="datetimeFigureOut">
               <a:rPr lang="en-US" smtClean="0"/>
-              <a:t>2020-12-22</a:t>
+              <a:t>2021-10-09</a:t>
             </a:fld>
             <a:endParaRPr lang="en-US"/>
           </a:p>
@@ -4121,7 +4444,7 @@
           <a:p>
             <a:fld id="{50BDCC2C-44C1-4523-A9CE-3059CB48FF2C}" type="datetimeFigureOut">
               <a:rPr lang="en-US" smtClean="0"/>
-              <a:t>2020-12-22</a:t>
+              <a:t>2021-10-09</a:t>
             </a:fld>
             <a:endParaRPr lang="en-US"/>
           </a:p>
@@ -4262,7 +4585,7 @@
           <a:p>
             <a:fld id="{50BDCC2C-44C1-4523-A9CE-3059CB48FF2C}" type="datetimeFigureOut">
               <a:rPr lang="en-US" smtClean="0"/>
-              <a:t>2020-12-22</a:t>
+              <a:t>2021-10-09</a:t>
             </a:fld>
             <a:endParaRPr lang="en-US"/>
           </a:p>
@@ -4375,7 +4698,7 @@
           <a:p>
             <a:fld id="{50BDCC2C-44C1-4523-A9CE-3059CB48FF2C}" type="datetimeFigureOut">
               <a:rPr lang="en-US" smtClean="0"/>
-              <a:t>2020-12-22</a:t>
+              <a:t>2021-10-09</a:t>
             </a:fld>
             <a:endParaRPr lang="en-US"/>
           </a:p>
@@ -4686,7 +5009,7 @@
           <a:p>
             <a:fld id="{50BDCC2C-44C1-4523-A9CE-3059CB48FF2C}" type="datetimeFigureOut">
               <a:rPr lang="en-US" smtClean="0"/>
-              <a:t>2020-12-22</a:t>
+              <a:t>2021-10-09</a:t>
             </a:fld>
             <a:endParaRPr lang="en-US"/>
           </a:p>
@@ -4974,7 +5297,7 @@
           <a:p>
             <a:fld id="{50BDCC2C-44C1-4523-A9CE-3059CB48FF2C}" type="datetimeFigureOut">
               <a:rPr lang="en-US" smtClean="0"/>
-              <a:t>2020-12-22</a:t>
+              <a:t>2021-10-09</a:t>
             </a:fld>
             <a:endParaRPr lang="en-US"/>
           </a:p>
@@ -5140,35 +5463,35 @@
           <a:p>
             <a:pPr lvl="0"/>
             <a:r>
-              <a:rPr lang="en-US"/>
+              <a:rPr lang="en-US" dirty="0"/>
               <a:t>Click to edit Master text styles</a:t>
             </a:r>
           </a:p>
           <a:p>
             <a:pPr lvl="1"/>
             <a:r>
-              <a:rPr lang="en-US"/>
+              <a:rPr lang="en-US" dirty="0"/>
               <a:t>Second level</a:t>
             </a:r>
           </a:p>
           <a:p>
             <a:pPr lvl="2"/>
             <a:r>
-              <a:rPr lang="en-US"/>
+              <a:rPr lang="en-US" dirty="0"/>
               <a:t>Third level</a:t>
             </a:r>
           </a:p>
           <a:p>
             <a:pPr lvl="3"/>
             <a:r>
-              <a:rPr lang="en-US"/>
+              <a:rPr lang="en-US" dirty="0"/>
               <a:t>Fourth level</a:t>
             </a:r>
           </a:p>
           <a:p>
             <a:pPr lvl="4"/>
             <a:r>
-              <a:rPr lang="en-US"/>
+              <a:rPr lang="en-US" dirty="0"/>
               <a:t>Fifth level</a:t>
             </a:r>
           </a:p>
@@ -5215,7 +5538,7 @@
           <a:p>
             <a:fld id="{50BDCC2C-44C1-4523-A9CE-3059CB48FF2C}" type="datetimeFigureOut">
               <a:rPr lang="en-US" smtClean="0"/>
-              <a:t>2020-12-22</a:t>
+              <a:t>2021-10-09</a:t>
             </a:fld>
             <a:endParaRPr lang="en-US"/>
           </a:p>
@@ -5311,6 +5634,119 @@
           </a:p>
         </p:txBody>
       </p:sp>
+      <p:grpSp>
+        <p:nvGrpSpPr>
+          <p:cNvPr id="7" name="Group 6">
+            <a:extLst>
+              <a:ext uri="{FF2B5EF4-FFF2-40B4-BE49-F238E27FC236}">
+                <a16:creationId xmlns:a16="http://schemas.microsoft.com/office/drawing/2014/main" id="{F55B69E4-FDE6-4306-98C4-99B591CA8368}"/>
+              </a:ext>
+            </a:extLst>
+          </p:cNvPr>
+          <p:cNvGrpSpPr/>
+          <p:nvPr userDrawn="1"/>
+        </p:nvGrpSpPr>
+        <p:grpSpPr>
+          <a:xfrm>
+            <a:off x="573578" y="5178829"/>
+            <a:ext cx="1296786" cy="365125"/>
+            <a:chOff x="1088967" y="5536276"/>
+            <a:chExt cx="1296786" cy="365125"/>
+          </a:xfrm>
+        </p:grpSpPr>
+        <p:sp>
+          <p:nvSpPr>
+            <p:cNvPr id="8" name="Rectangle 7">
+              <a:extLst>
+                <a:ext uri="{FF2B5EF4-FFF2-40B4-BE49-F238E27FC236}">
+                  <a16:creationId xmlns:a16="http://schemas.microsoft.com/office/drawing/2014/main" id="{579D8C9C-51C8-4A68-A130-DBC06BCF18B3}"/>
+                </a:ext>
+              </a:extLst>
+            </p:cNvPr>
+            <p:cNvSpPr/>
+            <p:nvPr userDrawn="1"/>
+          </p:nvSpPr>
+          <p:spPr>
+            <a:xfrm>
+              <a:off x="1088967" y="5536276"/>
+              <a:ext cx="507077" cy="199361"/>
+            </a:xfrm>
+            <a:prstGeom prst="rect">
+              <a:avLst/>
+            </a:prstGeom>
+          </p:spPr>
+          <p:style>
+            <a:lnRef idx="2">
+              <a:schemeClr val="accent2">
+                <a:shade val="50000"/>
+              </a:schemeClr>
+            </a:lnRef>
+            <a:fillRef idx="1">
+              <a:schemeClr val="accent2"/>
+            </a:fillRef>
+            <a:effectRef idx="0">
+              <a:schemeClr val="accent2"/>
+            </a:effectRef>
+            <a:fontRef idx="minor">
+              <a:schemeClr val="lt1"/>
+            </a:fontRef>
+          </p:style>
+          <p:txBody>
+            <a:bodyPr rtlCol="0" anchor="ctr"/>
+            <a:lstStyle/>
+            <a:p>
+              <a:pPr algn="ctr"/>
+              <a:endParaRPr lang="en-US"/>
+            </a:p>
+          </p:txBody>
+        </p:sp>
+        <p:sp>
+          <p:nvSpPr>
+            <p:cNvPr id="9" name="Oval 8">
+              <a:extLst>
+                <a:ext uri="{FF2B5EF4-FFF2-40B4-BE49-F238E27FC236}">
+                  <a16:creationId xmlns:a16="http://schemas.microsoft.com/office/drawing/2014/main" id="{E8708B63-8359-47E7-A7EA-BE34425E5A12}"/>
+                </a:ext>
+              </a:extLst>
+            </p:cNvPr>
+            <p:cNvSpPr/>
+            <p:nvPr userDrawn="1"/>
+          </p:nvSpPr>
+          <p:spPr>
+            <a:xfrm>
+              <a:off x="1878676" y="5536276"/>
+              <a:ext cx="507077" cy="365125"/>
+            </a:xfrm>
+            <a:prstGeom prst="ellipse">
+              <a:avLst/>
+            </a:prstGeom>
+          </p:spPr>
+          <p:style>
+            <a:lnRef idx="2">
+              <a:schemeClr val="accent1">
+                <a:shade val="50000"/>
+              </a:schemeClr>
+            </a:lnRef>
+            <a:fillRef idx="1">
+              <a:schemeClr val="accent1"/>
+            </a:fillRef>
+            <a:effectRef idx="0">
+              <a:schemeClr val="accent1"/>
+            </a:effectRef>
+            <a:fontRef idx="minor">
+              <a:schemeClr val="lt1"/>
+            </a:fontRef>
+          </p:style>
+          <p:txBody>
+            <a:bodyPr rtlCol="0" anchor="ctr"/>
+            <a:lstStyle/>
+            <a:p>
+              <a:pPr algn="ctr"/>
+              <a:endParaRPr lang="en-US"/>
+            </a:p>
+          </p:txBody>
+        </p:sp>
+      </p:grpSp>
     </p:spTree>
     <p:extLst>
       <p:ext uri="{BB962C8B-B14F-4D97-AF65-F5344CB8AC3E}">
@@ -5332,6 +5768,193 @@
     <p:sldLayoutId id="2147483658" r:id="rId10"/>
     <p:sldLayoutId id="2147483659" r:id="rId11"/>
   </p:sldLayoutIdLst>
+  <p:timing>
+    <p:tnLst>
+      <p:par>
+        <p:cTn id="1" dur="indefinite" restart="never" nodeType="tmRoot">
+          <p:childTnLst>
+            <p:seq concurrent="1" nextAc="seek">
+              <p:cTn id="2" dur="indefinite" nodeType="mainSeq">
+                <p:childTnLst>
+                  <p:par>
+                    <p:cTn id="3" fill="hold">
+                      <p:stCondLst>
+                        <p:cond delay="indefinite"/>
+                      </p:stCondLst>
+                      <p:childTnLst>
+                        <p:par>
+                          <p:cTn id="4" fill="hold">
+                            <p:stCondLst>
+                              <p:cond delay="0"/>
+                            </p:stCondLst>
+                            <p:childTnLst>
+                              <p:par>
+                                <p:cTn id="5" presetID="26" presetClass="emph" presetSubtype="0" fill="hold" nodeType="clickEffect">
+                                  <p:stCondLst>
+                                    <p:cond delay="0"/>
+                                  </p:stCondLst>
+                                  <p:childTnLst>
+                                    <p:animEffect transition="out" filter="fade">
+                                      <p:cBhvr>
+                                        <p:cTn id="6" dur="500" tmFilter="0, 0; .2, .5; .8, .5; 1, 0"/>
+                                        <p:tgtEl>
+                                          <p:spTgt spid="7"/>
+                                        </p:tgtEl>
+                                      </p:cBhvr>
+                                    </p:animEffect>
+                                    <p:animScale>
+                                      <p:cBhvr>
+                                        <p:cTn id="7" dur="250" autoRev="1" fill="hold"/>
+                                        <p:tgtEl>
+                                          <p:spTgt spid="7"/>
+                                        </p:tgtEl>
+                                      </p:cBhvr>
+                                      <p:by x="105000" y="105000"/>
+                                    </p:animScale>
+                                  </p:childTnLst>
+                                </p:cTn>
+                              </p:par>
+                            </p:childTnLst>
+                          </p:cTn>
+                        </p:par>
+                      </p:childTnLst>
+                    </p:cTn>
+                  </p:par>
+                </p:childTnLst>
+              </p:cTn>
+              <p:prevCondLst>
+                <p:cond evt="onPrev" delay="0">
+                  <p:tgtEl>
+                    <p:sldTgt/>
+                  </p:tgtEl>
+                </p:cond>
+              </p:prevCondLst>
+              <p:nextCondLst>
+                <p:cond evt="onNext" delay="0">
+                  <p:tgtEl>
+                    <p:sldTgt/>
+                  </p:tgtEl>
+                </p:cond>
+              </p:nextCondLst>
+            </p:seq>
+            <p:seq concurrent="1" nextAc="seek">
+              <p:cTn id="8" restart="whenNotActive" fill="hold" evtFilter="cancelBubble" nodeType="interactiveSeq">
+                <p:stCondLst>
+                  <p:cond evt="onClick" delay="0">
+                    <p:tgtEl>
+                      <p:spTgt spid="7"/>
+                    </p:tgtEl>
+                  </p:cond>
+                </p:stCondLst>
+                <p:endSync evt="end" delay="0">
+                  <p:rtn val="all"/>
+                </p:endSync>
+                <p:childTnLst>
+                  <p:par>
+                    <p:cTn id="9" fill="hold">
+                      <p:stCondLst>
+                        <p:cond delay="0"/>
+                      </p:stCondLst>
+                      <p:childTnLst>
+                        <p:par>
+                          <p:cTn id="10" fill="hold">
+                            <p:stCondLst>
+                              <p:cond delay="0"/>
+                            </p:stCondLst>
+                            <p:childTnLst>
+                              <p:par>
+                                <p:cTn id="11" presetID="1" presetClass="entr" presetSubtype="0" fill="hold" nodeType="clickEffect">
+                                  <p:stCondLst>
+                                    <p:cond delay="0"/>
+                                  </p:stCondLst>
+                                  <p:childTnLst>
+                                    <p:set>
+                                      <p:cBhvr>
+                                        <p:cTn id="12" dur="1" fill="hold">
+                                          <p:stCondLst>
+                                            <p:cond delay="0"/>
+                                          </p:stCondLst>
+                                        </p:cTn>
+                                        <p:tgtEl>
+                                          <p:spTgt spid="7"/>
+                                        </p:tgtEl>
+                                        <p:attrNameLst>
+                                          <p:attrName>style.visibility</p:attrName>
+                                        </p:attrNameLst>
+                                      </p:cBhvr>
+                                      <p:to>
+                                        <p:strVal val="visible"/>
+                                      </p:to>
+                                    </p:set>
+                                  </p:childTnLst>
+                                </p:cTn>
+                              </p:par>
+                            </p:childTnLst>
+                          </p:cTn>
+                        </p:par>
+                      </p:childTnLst>
+                    </p:cTn>
+                  </p:par>
+                  <p:par>
+                    <p:cTn id="13" fill="hold">
+                      <p:stCondLst>
+                        <p:cond delay="indefinite"/>
+                      </p:stCondLst>
+                      <p:childTnLst>
+                        <p:par>
+                          <p:cTn id="14" fill="hold">
+                            <p:stCondLst>
+                              <p:cond delay="0"/>
+                            </p:stCondLst>
+                            <p:childTnLst>
+                              <p:par>
+                                <p:cTn id="15" presetID="1" presetClass="entr" presetSubtype="0" fill="hold" nodeType="clickEffect">
+                                  <p:stCondLst>
+                                    <p:cond delay="0"/>
+                                  </p:stCondLst>
+                                  <p:childTnLst>
+                                    <p:set>
+                                      <p:cBhvr>
+                                        <p:cTn id="16" dur="1" fill="hold">
+                                          <p:stCondLst>
+                                            <p:cond delay="0"/>
+                                          </p:stCondLst>
+                                        </p:cTn>
+                                        <p:tgtEl>
+                                          <p:spTgt spid="7"/>
+                                        </p:tgtEl>
+                                        <p:attrNameLst>
+                                          <p:attrName>style.visibility</p:attrName>
+                                        </p:attrNameLst>
+                                      </p:cBhvr>
+                                      <p:to>
+                                        <p:strVal val="visible"/>
+                                      </p:to>
+                                    </p:set>
+                                  </p:childTnLst>
+                                </p:cTn>
+                              </p:par>
+                            </p:childTnLst>
+                          </p:cTn>
+                        </p:par>
+                      </p:childTnLst>
+                    </p:cTn>
+                  </p:par>
+                </p:childTnLst>
+              </p:cTn>
+              <p:nextCondLst>
+                <p:cond evt="onClick" delay="0">
+                  <p:tgtEl>
+                    <p:spTgt spid="7"/>
+                  </p:tgtEl>
+                </p:cond>
+              </p:nextCondLst>
+            </p:seq>
+          </p:childTnLst>
+        </p:cTn>
+      </p:par>
+    </p:tnLst>
+  </p:timing>
   <p:txStyles>
     <p:titleStyle>
       <a:lvl1pPr algn="l" defTabSz="914400" rtl="0" eaLnBrk="1" latinLnBrk="0" hangingPunct="1">
@@ -5653,7 +6276,10 @@
           <a:bodyPr/>
           <a:lstStyle/>
           <a:p>
-            <a:endParaRPr lang="en-US" dirty="0"/>
+            <a:r>
+              <a:rPr lang="en-US" dirty="0"/>
+              <a:t>1</a:t>
+            </a:r>
           </a:p>
         </p:txBody>
       </p:sp>
@@ -5678,7 +6304,10 @@
           <a:bodyPr/>
           <a:lstStyle/>
           <a:p>
-            <a:endParaRPr lang="en-US" dirty="0"/>
+            <a:r>
+              <a:rPr lang="en-US" dirty="0"/>
+              <a:t>subtitle</a:t>
+            </a:r>
           </a:p>
         </p:txBody>
       </p:sp>
@@ -5724,7 +6353,10 @@
           <a:lstStyle/>
           <a:p>
             <a:pPr algn="ctr"/>
-            <a:endParaRPr lang="en-US"/>
+            <a:r>
+              <a:rPr lang="en-US" dirty="0"/>
+              <a:t>text</a:t>
+            </a:r>
           </a:p>
         </p:txBody>
       </p:sp>
@@ -5836,7 +6468,10 @@
             <a:lstStyle/>
             <a:p>
               <a:pPr algn="ctr"/>
-              <a:endParaRPr lang="en-US"/>
+              <a:r>
+                <a:rPr lang="en-US" dirty="0"/>
+                <a:t>Text</a:t>
+              </a:r>
             </a:p>
           </p:txBody>
         </p:sp>
@@ -5851,6 +6486,151 @@
   <p:clrMapOvr>
     <a:masterClrMapping/>
   </p:clrMapOvr>
+  <p:timing>
+    <p:tnLst>
+      <p:par>
+        <p:cTn id="1" dur="indefinite" restart="never" nodeType="tmRoot">
+          <p:childTnLst>
+            <p:seq concurrent="1" nextAc="seek">
+              <p:cTn id="2" dur="indefinite" nodeType="mainSeq">
+                <p:childTnLst>
+                  <p:par>
+                    <p:cTn id="3" fill="hold">
+                      <p:stCondLst>
+                        <p:cond delay="indefinite"/>
+                      </p:stCondLst>
+                      <p:childTnLst>
+                        <p:par>
+                          <p:cTn id="4" fill="hold">
+                            <p:stCondLst>
+                              <p:cond delay="0"/>
+                            </p:stCondLst>
+                            <p:childTnLst>
+                              <p:par>
+                                <p:cTn id="5" presetID="1" presetClass="entr" presetSubtype="0" fill="hold" grpId="0" nodeType="clickEffect">
+                                  <p:stCondLst>
+                                    <p:cond delay="0"/>
+                                  </p:stCondLst>
+                                  <p:childTnLst>
+                                    <p:set>
+                                      <p:cBhvr>
+                                        <p:cTn id="6" dur="1" fill="hold">
+                                          <p:stCondLst>
+                                            <p:cond delay="0"/>
+                                          </p:stCondLst>
+                                        </p:cTn>
+                                        <p:tgtEl>
+                                          <p:spTgt spid="4"/>
+                                        </p:tgtEl>
+                                        <p:attrNameLst>
+                                          <p:attrName>style.visibility</p:attrName>
+                                        </p:attrNameLst>
+                                      </p:cBhvr>
+                                      <p:to>
+                                        <p:strVal val="visible"/>
+                                      </p:to>
+                                    </p:set>
+                                  </p:childTnLst>
+                                </p:cTn>
+                              </p:par>
+                            </p:childTnLst>
+                          </p:cTn>
+                        </p:par>
+                      </p:childTnLst>
+                    </p:cTn>
+                  </p:par>
+                </p:childTnLst>
+              </p:cTn>
+              <p:prevCondLst>
+                <p:cond evt="onPrev" delay="0">
+                  <p:tgtEl>
+                    <p:sldTgt/>
+                  </p:tgtEl>
+                </p:cond>
+              </p:prevCondLst>
+              <p:nextCondLst>
+                <p:cond evt="onNext" delay="0">
+                  <p:tgtEl>
+                    <p:sldTgt/>
+                  </p:tgtEl>
+                </p:cond>
+              </p:nextCondLst>
+            </p:seq>
+            <p:seq concurrent="1" nextAc="seek">
+              <p:cTn id="7" restart="whenNotActive" fill="hold" evtFilter="cancelBubble" nodeType="interactiveSeq">
+                <p:stCondLst>
+                  <p:cond evt="onClick" delay="0">
+                    <p:tgtEl>
+                      <p:spTgt spid="8"/>
+                    </p:tgtEl>
+                  </p:cond>
+                </p:stCondLst>
+                <p:endSync evt="end" delay="0">
+                  <p:rtn val="all"/>
+                </p:endSync>
+                <p:childTnLst>
+                  <p:par>
+                    <p:cTn id="8" fill="hold">
+                      <p:stCondLst>
+                        <p:cond delay="0"/>
+                      </p:stCondLst>
+                      <p:childTnLst>
+                        <p:par>
+                          <p:cTn id="9" fill="hold">
+                            <p:stCondLst>
+                              <p:cond delay="0"/>
+                            </p:stCondLst>
+                            <p:childTnLst>
+                              <p:par>
+                                <p:cTn id="10" presetID="26" presetClass="emph" presetSubtype="0" fill="hold" nodeType="clickEffect">
+                                  <p:stCondLst>
+                                    <p:cond delay="0"/>
+                                  </p:stCondLst>
+                                  <p:childTnLst>
+                                    <p:animEffect transition="out" filter="fade">
+                                      <p:cBhvr>
+                                        <p:cTn id="11" dur="500" tmFilter="0, 0; .2, .5; .8, .5; 1, 0"/>
+                                        <p:tgtEl>
+                                          <p:spTgt spid="8"/>
+                                        </p:tgtEl>
+                                      </p:cBhvr>
+                                    </p:animEffect>
+                                    <p:animScale>
+                                      <p:cBhvr>
+                                        <p:cTn id="12" dur="250" autoRev="1" fill="hold"/>
+                                        <p:tgtEl>
+                                          <p:spTgt spid="8"/>
+                                        </p:tgtEl>
+                                      </p:cBhvr>
+                                      <p:by x="105000" y="105000"/>
+                                    </p:animScale>
+                                  </p:childTnLst>
+                                </p:cTn>
+                              </p:par>
+                            </p:childTnLst>
+                          </p:cTn>
+                        </p:par>
+                      </p:childTnLst>
+                    </p:cTn>
+                  </p:par>
+                </p:childTnLst>
+              </p:cTn>
+              <p:nextCondLst>
+                <p:cond evt="onClick" delay="0">
+                  <p:tgtEl>
+                    <p:spTgt spid="8"/>
+                  </p:tgtEl>
+                </p:cond>
+              </p:nextCondLst>
+            </p:seq>
+          </p:childTnLst>
+        </p:cTn>
+      </p:par>
+    </p:tnLst>
+    <p:bldLst>
+      <p:bldP spid="4" grpId="0" animBg="1"/>
+    </p:bldLst>
+  </p:timing>
 </p:sld>
 </file>
 
@@ -6025,6 +6805,101 @@
     <p:extLst>
       <p:ext uri="{BB962C8B-B14F-4D97-AF65-F5344CB8AC3E}">
         <p14:creationId xmlns:p14="http://schemas.microsoft.com/office/powerpoint/2010/main" val="2112477236"/>
+      </p:ext>
+    </p:extLst>
+  </p:cSld>
+  <p:clrMapOvr>
+    <a:masterClrMapping/>
+  </p:clrMapOvr>
+</p:sld>
+</file>
+
+<file path=ppt/slides/slide4.xml><?xml version="1.0" encoding="utf-8"?>
+<p:sld xmlns:a="http://schemas.openxmlformats.org/drawingml/2006/main" xmlns:r="http://schemas.openxmlformats.org/officeDocument/2006/relationships" xmlns:p="http://schemas.openxmlformats.org/presentationml/2006/main">
+  <p:cSld>
+    <p:spTree>
+      <p:nvGrpSpPr>
+        <p:cNvPr id="1" name=""/>
+        <p:cNvGrpSpPr/>
+        <p:nvPr/>
+      </p:nvGrpSpPr>
+      <p:grpSpPr>
+        <a:xfrm>
+          <a:off x="0" y="0"/>
+          <a:ext cx="0" cy="0"/>
+          <a:chOff x="0" y="0"/>
+          <a:chExt cx="0" cy="0"/>
+        </a:xfrm>
+      </p:grpSpPr>
+      <p:sp>
+        <p:nvSpPr>
+          <p:cNvPr id="2" name="TextBox 1">
+            <a:extLst>
+              <a:ext uri="{FF2B5EF4-FFF2-40B4-BE49-F238E27FC236}">
+                <a16:creationId xmlns:a16="http://schemas.microsoft.com/office/drawing/2014/main" id="{153743F5-D80A-433D-A0FB-C976550B41FA}"/>
+              </a:ext>
+            </a:extLst>
+          </p:cNvPr>
+          <p:cNvSpPr txBox="1"/>
+          <p:nvPr/>
+        </p:nvSpPr>
+        <p:spPr>
+          <a:xfrm>
+            <a:off x="3923930" y="1083076"/>
+            <a:ext cx="548099" cy="369332"/>
+          </a:xfrm>
+          <a:prstGeom prst="rect">
+            <a:avLst/>
+          </a:prstGeom>
+          <a:noFill/>
+        </p:spPr>
+        <p:txBody>
+          <a:bodyPr wrap="none" rtlCol="0">
+            <a:spAutoFit/>
+          </a:bodyPr>
+          <a:lstStyle/>
+          <a:p>
+            <a:r>
+              <a:rPr lang="en-US" dirty="0"/>
+              <a:t>text</a:t>
+            </a:r>
+          </a:p>
+        </p:txBody>
+      </p:sp>
+    </p:spTree>
+    <p:extLst>
+      <p:ext uri="{BB962C8B-B14F-4D97-AF65-F5344CB8AC3E}">
+        <p14:creationId xmlns:p14="http://schemas.microsoft.com/office/powerpoint/2010/main" val="2881447818"/>
+      </p:ext>
+    </p:extLst>
+  </p:cSld>
+  <p:clrMapOvr>
+    <a:masterClrMapping/>
+  </p:clrMapOvr>
+</p:sld>
+</file>
+
+<file path=ppt/slides/slide5.xml><?xml version="1.0" encoding="utf-8"?>
+<p:sld xmlns:a="http://schemas.openxmlformats.org/drawingml/2006/main" xmlns:r="http://schemas.openxmlformats.org/officeDocument/2006/relationships" xmlns:p="http://schemas.openxmlformats.org/presentationml/2006/main">
+  <p:cSld>
+    <p:spTree>
+      <p:nvGrpSpPr>
+        <p:cNvPr id="1" name=""/>
+        <p:cNvGrpSpPr/>
+        <p:nvPr/>
+      </p:nvGrpSpPr>
+      <p:grpSpPr>
+        <a:xfrm>
+          <a:off x="0" y="0"/>
+          <a:ext cx="0" cy="0"/>
+          <a:chOff x="0" y="0"/>
+          <a:chExt cx="0" cy="0"/>
+        </a:xfrm>
+      </p:grpSpPr>
+    </p:spTree>
+    <p:extLst>
+      <p:ext uri="{BB962C8B-B14F-4D97-AF65-F5344CB8AC3E}">
+        <p14:creationId xmlns:p14="http://schemas.microsoft.com/office/powerpoint/2010/main" val="4049682007"/>
       </p:ext>
     </p:extLst>
   </p:cSld>
